--- a/documentação/ApresentaçãoLuminous.pptx
+++ b/documentação/ApresentaçãoLuminous.pptx
@@ -11418,10 +11418,10 @@
       </p:pic>
       <p:pic>
         <p:nvPicPr>
-          <p:cNvPr id="8" name="Imagem 7">
+          <p:cNvPr id="3" name="Imagem 2" descr="Interface gráfica do usuário&#10;&#10;Descrição gerada automaticamente">
             <a:extLst>
               <a:ext uri="{FF2B5EF4-FFF2-40B4-BE49-F238E27FC236}">
-                <a16:creationId xmlns:a16="http://schemas.microsoft.com/office/drawing/2014/main" id="{90431B27-91CC-4942-A7F8-AC3FC687A0BE}"/>
+                <a16:creationId xmlns:a16="http://schemas.microsoft.com/office/drawing/2014/main" id="{BB6757B3-9792-48D3-8C1F-ADA87AE0925C}"/>
               </a:ext>
             </a:extLst>
           </p:cNvPr>
@@ -11444,8 +11444,8 @@
         </p:blipFill>
         <p:spPr>
           <a:xfrm>
-            <a:off x="1895319" y="1394007"/>
-            <a:ext cx="7968210" cy="5021881"/>
+            <a:off x="1307023" y="1181862"/>
+            <a:ext cx="9577953" cy="5143682"/>
           </a:xfrm>
           <a:prstGeom prst="rect">
             <a:avLst/>

--- a/documentação/ApresentaçãoLuminous.pptx
+++ b/documentação/ApresentaçãoLuminous.pptx
@@ -11876,42 +11876,6 @@
           </a:effectLst>
         </p:spPr>
       </p:pic>
-      <p:pic>
-        <p:nvPicPr>
-          <p:cNvPr id="8" name="Imagem 7" descr="Interface gráfica do usuário&#10;&#10;Descrição gerada automaticamente">
-            <a:extLst>
-              <a:ext uri="{FF2B5EF4-FFF2-40B4-BE49-F238E27FC236}">
-                <a16:creationId xmlns:a16="http://schemas.microsoft.com/office/drawing/2014/main" id="{A99F11A8-D19F-4CA3-BAE4-B07F579D9F0D}"/>
-              </a:ext>
-            </a:extLst>
-          </p:cNvPr>
-          <p:cNvPicPr>
-            <a:picLocks noChangeAspect="1"/>
-          </p:cNvPicPr>
-          <p:nvPr/>
-        </p:nvPicPr>
-        <p:blipFill>
-          <a:blip r:embed="rId3">
-            <a:extLst>
-              <a:ext uri="{28A0092B-C50C-407E-A947-70E740481C1C}">
-                <a14:useLocalDpi xmlns:a14="http://schemas.microsoft.com/office/drawing/2010/main" val="0"/>
-              </a:ext>
-            </a:extLst>
-          </a:blip>
-          <a:stretch>
-            <a:fillRect/>
-          </a:stretch>
-        </p:blipFill>
-        <p:spPr>
-          <a:xfrm>
-            <a:off x="1462087" y="1348150"/>
-            <a:ext cx="9267825" cy="5153025"/>
-          </a:xfrm>
-          <a:prstGeom prst="rect">
-            <a:avLst/>
-          </a:prstGeom>
-        </p:spPr>
-      </p:pic>
     </p:spTree>
     <p:extLst>
       <p:ext uri="{BB962C8B-B14F-4D97-AF65-F5344CB8AC3E}">
@@ -12123,33 +12087,6 @@
                                         </p:tav>
                                       </p:tavLst>
                                     </p:anim>
-                                  </p:childTnLst>
-                                </p:cTn>
-                              </p:par>
-                              <p:par>
-                                <p:cTn id="16" presetID="1" presetClass="entr" presetSubtype="0" fill="hold" nodeType="withEffect">
-                                  <p:stCondLst>
-                                    <p:cond delay="0"/>
-                                  </p:stCondLst>
-                                  <p:childTnLst>
-                                    <p:set>
-                                      <p:cBhvr>
-                                        <p:cTn id="17" dur="1" fill="hold">
-                                          <p:stCondLst>
-                                            <p:cond delay="0"/>
-                                          </p:stCondLst>
-                                        </p:cTn>
-                                        <p:tgtEl>
-                                          <p:spTgt spid="8"/>
-                                        </p:tgtEl>
-                                        <p:attrNameLst>
-                                          <p:attrName>style.visibility</p:attrName>
-                                        </p:attrNameLst>
-                                      </p:cBhvr>
-                                      <p:to>
-                                        <p:strVal val="visible"/>
-                                      </p:to>
-                                    </p:set>
                                   </p:childTnLst>
                                 </p:cTn>
                               </p:par>

--- a/documentação/ApresentaçãoLuminous.pptx
+++ b/documentação/ApresentaçãoLuminous.pptx
@@ -11876,6 +11876,42 @@
           </a:effectLst>
         </p:spPr>
       </p:pic>
+      <p:pic>
+        <p:nvPicPr>
+          <p:cNvPr id="3" name="Imagem 2" descr="Uma imagem contendo Interface gráfica do usuário&#10;&#10;Descrição gerada automaticamente">
+            <a:extLst>
+              <a:ext uri="{FF2B5EF4-FFF2-40B4-BE49-F238E27FC236}">
+                <a16:creationId xmlns:a16="http://schemas.microsoft.com/office/drawing/2014/main" id="{3C6C1768-E2B2-4F1A-8401-0793580AA8F6}"/>
+              </a:ext>
+            </a:extLst>
+          </p:cNvPr>
+          <p:cNvPicPr>
+            <a:picLocks noChangeAspect="1"/>
+          </p:cNvPicPr>
+          <p:nvPr/>
+        </p:nvPicPr>
+        <p:blipFill>
+          <a:blip r:embed="rId3">
+            <a:extLst>
+              <a:ext uri="{28A0092B-C50C-407E-A947-70E740481C1C}">
+                <a14:useLocalDpi xmlns:a14="http://schemas.microsoft.com/office/drawing/2010/main" val="0"/>
+              </a:ext>
+            </a:extLst>
+          </a:blip>
+          <a:stretch>
+            <a:fillRect/>
+          </a:stretch>
+        </p:blipFill>
+        <p:spPr>
+          <a:xfrm>
+            <a:off x="171450" y="1583736"/>
+            <a:ext cx="11242623" cy="4066649"/>
+          </a:xfrm>
+          <a:prstGeom prst="rect">
+            <a:avLst/>
+          </a:prstGeom>
+        </p:spPr>
+      </p:pic>
     </p:spTree>
     <p:extLst>
       <p:ext uri="{BB962C8B-B14F-4D97-AF65-F5344CB8AC3E}">

--- a/documentação/ApresentaçãoLuminous.pptx
+++ b/documentação/ApresentaçãoLuminous.pptx
@@ -12614,33 +12614,15 @@
                                   </p:childTnLst>
                                 </p:cTn>
                               </p:par>
-                            </p:childTnLst>
-                          </p:cTn>
-                        </p:par>
-                      </p:childTnLst>
-                    </p:cTn>
-                  </p:par>
-                  <p:par>
-                    <p:cTn id="17" fill="hold">
-                      <p:stCondLst>
-                        <p:cond delay="indefinite"/>
-                      </p:stCondLst>
-                      <p:childTnLst>
-                        <p:par>
-                          <p:cTn id="18" fill="hold">
-                            <p:stCondLst>
-                              <p:cond delay="0"/>
-                            </p:stCondLst>
-                            <p:childTnLst>
                               <p:par>
-                                <p:cTn id="19" presetID="10" presetClass="entr" presetSubtype="0" fill="hold" nodeType="clickEffect">
+                                <p:cTn id="17" presetID="10" presetClass="entr" presetSubtype="0" fill="hold" nodeType="withEffect">
                                   <p:stCondLst>
                                     <p:cond delay="0"/>
                                   </p:stCondLst>
                                   <p:childTnLst>
                                     <p:set>
                                       <p:cBhvr>
-                                        <p:cTn id="20" dur="1" fill="hold">
+                                        <p:cTn id="18" dur="1" fill="hold">
                                           <p:stCondLst>
                                             <p:cond delay="0"/>
                                           </p:stCondLst>
@@ -12658,7 +12640,7 @@
                                     </p:set>
                                     <p:animEffect transition="in" filter="fade">
                                       <p:cBhvr>
-                                        <p:cTn id="21" dur="1000"/>
+                                        <p:cTn id="19" dur="1000"/>
                                         <p:tgtEl>
                                           <p:spTgt spid="8"/>
                                         </p:tgtEl>

--- a/documentação/ApresentaçãoLuminous.pptx
+++ b/documentação/ApresentaçãoLuminous.pptx
@@ -6351,10 +6351,10 @@
       </p:sp>
       <p:pic>
         <p:nvPicPr>
-          <p:cNvPr id="7" name="Imagem 6">
+          <p:cNvPr id="9" name="Imagem 8">
             <a:extLst>
               <a:ext uri="{FF2B5EF4-FFF2-40B4-BE49-F238E27FC236}">
-                <a16:creationId xmlns:a16="http://schemas.microsoft.com/office/drawing/2014/main" id="{F2DB1E6A-D50D-40F4-BBF2-BF5161B34565}"/>
+                <a16:creationId xmlns:a16="http://schemas.microsoft.com/office/drawing/2014/main" id="{85278EC0-4284-435D-895F-744EE328B51E}"/>
               </a:ext>
             </a:extLst>
           </p:cNvPr>
@@ -6371,8 +6371,38 @@
         </p:blipFill>
         <p:spPr>
           <a:xfrm>
-            <a:off x="1527986" y="2051297"/>
-            <a:ext cx="9136028" cy="1046306"/>
+            <a:off x="325758" y="1160512"/>
+            <a:ext cx="1865973" cy="5387245"/>
+          </a:xfrm>
+          <a:prstGeom prst="rect">
+            <a:avLst/>
+          </a:prstGeom>
+        </p:spPr>
+      </p:pic>
+      <p:pic>
+        <p:nvPicPr>
+          <p:cNvPr id="11" name="Imagem 10">
+            <a:extLst>
+              <a:ext uri="{FF2B5EF4-FFF2-40B4-BE49-F238E27FC236}">
+                <a16:creationId xmlns:a16="http://schemas.microsoft.com/office/drawing/2014/main" id="{879DA639-1E49-4541-AD64-85782B4C4B6A}"/>
+              </a:ext>
+            </a:extLst>
+          </p:cNvPr>
+          <p:cNvPicPr>
+            <a:picLocks noChangeAspect="1"/>
+          </p:cNvPicPr>
+          <p:nvPr/>
+        </p:nvPicPr>
+        <p:blipFill>
+          <a:blip r:embed="rId4"/>
+          <a:stretch>
+            <a:fillRect/>
+          </a:stretch>
+        </p:blipFill>
+        <p:spPr>
+          <a:xfrm>
+            <a:off x="2191730" y="3251289"/>
+            <a:ext cx="8938163" cy="830997"/>
           </a:xfrm>
           <a:prstGeom prst="rect">
             <a:avLst/>
@@ -6628,41 +6658,6 @@
                                         </p:tav>
                                       </p:tavLst>
                                     </p:anim>
-                                  </p:childTnLst>
-                                </p:cTn>
-                              </p:par>
-                              <p:par>
-                                <p:cTn id="17" presetID="10" presetClass="entr" presetSubtype="0" fill="hold" nodeType="withEffect">
-                                  <p:stCondLst>
-                                    <p:cond delay="1100"/>
-                                  </p:stCondLst>
-                                  <p:childTnLst>
-                                    <p:set>
-                                      <p:cBhvr>
-                                        <p:cTn id="18" dur="1" fill="hold">
-                                          <p:stCondLst>
-                                            <p:cond delay="0"/>
-                                          </p:stCondLst>
-                                        </p:cTn>
-                                        <p:tgtEl>
-                                          <p:spTgt spid="7"/>
-                                        </p:tgtEl>
-                                        <p:attrNameLst>
-                                          <p:attrName>style.visibility</p:attrName>
-                                        </p:attrNameLst>
-                                      </p:cBhvr>
-                                      <p:to>
-                                        <p:strVal val="visible"/>
-                                      </p:to>
-                                    </p:set>
-                                    <p:animEffect transition="in" filter="fade">
-                                      <p:cBhvr>
-                                        <p:cTn id="19" dur="800"/>
-                                        <p:tgtEl>
-                                          <p:spTgt spid="7"/>
-                                        </p:tgtEl>
-                                      </p:cBhvr>
-                                    </p:animEffect>
                                   </p:childTnLst>
                                 </p:cTn>
                               </p:par>
@@ -11878,10 +11873,10 @@
       </p:pic>
       <p:pic>
         <p:nvPicPr>
-          <p:cNvPr id="3" name="Imagem 2" descr="Uma imagem contendo Interface gráfica do usuário&#10;&#10;Descrição gerada automaticamente">
+          <p:cNvPr id="4" name="Imagem 3" descr="Diagrama&#10;&#10;Descrição gerada automaticamente">
             <a:extLst>
               <a:ext uri="{FF2B5EF4-FFF2-40B4-BE49-F238E27FC236}">
-                <a16:creationId xmlns:a16="http://schemas.microsoft.com/office/drawing/2014/main" id="{3C6C1768-E2B2-4F1A-8401-0793580AA8F6}"/>
+                <a16:creationId xmlns:a16="http://schemas.microsoft.com/office/drawing/2014/main" id="{9DDEB7FD-CA7D-4D42-AD1C-0004E756DFA9}"/>
               </a:ext>
             </a:extLst>
           </p:cNvPr>
@@ -11904,8 +11899,8 @@
         </p:blipFill>
         <p:spPr>
           <a:xfrm>
-            <a:off x="171450" y="1583736"/>
-            <a:ext cx="11242623" cy="4066649"/>
+            <a:off x="304800" y="1536246"/>
+            <a:ext cx="11582400" cy="4895850"/>
           </a:xfrm>
           <a:prstGeom prst="rect">
             <a:avLst/>

--- a/documentação/ApresentaçãoLuminous.pptx
+++ b/documentação/ApresentaçãoLuminous.pptx
@@ -6351,10 +6351,10 @@
       </p:sp>
       <p:pic>
         <p:nvPicPr>
-          <p:cNvPr id="9" name="Imagem 8">
+          <p:cNvPr id="7" name="Imagem 6">
             <a:extLst>
               <a:ext uri="{FF2B5EF4-FFF2-40B4-BE49-F238E27FC236}">
-                <a16:creationId xmlns:a16="http://schemas.microsoft.com/office/drawing/2014/main" id="{85278EC0-4284-435D-895F-744EE328B51E}"/>
+                <a16:creationId xmlns:a16="http://schemas.microsoft.com/office/drawing/2014/main" id="{F2DB1E6A-D50D-40F4-BBF2-BF5161B34565}"/>
               </a:ext>
             </a:extLst>
           </p:cNvPr>
@@ -6371,38 +6371,8 @@
         </p:blipFill>
         <p:spPr>
           <a:xfrm>
-            <a:off x="325758" y="1160512"/>
-            <a:ext cx="1865973" cy="5387245"/>
-          </a:xfrm>
-          <a:prstGeom prst="rect">
-            <a:avLst/>
-          </a:prstGeom>
-        </p:spPr>
-      </p:pic>
-      <p:pic>
-        <p:nvPicPr>
-          <p:cNvPr id="11" name="Imagem 10">
-            <a:extLst>
-              <a:ext uri="{FF2B5EF4-FFF2-40B4-BE49-F238E27FC236}">
-                <a16:creationId xmlns:a16="http://schemas.microsoft.com/office/drawing/2014/main" id="{879DA639-1E49-4541-AD64-85782B4C4B6A}"/>
-              </a:ext>
-            </a:extLst>
-          </p:cNvPr>
-          <p:cNvPicPr>
-            <a:picLocks noChangeAspect="1"/>
-          </p:cNvPicPr>
-          <p:nvPr/>
-        </p:nvPicPr>
-        <p:blipFill>
-          <a:blip r:embed="rId4"/>
-          <a:stretch>
-            <a:fillRect/>
-          </a:stretch>
-        </p:blipFill>
-        <p:spPr>
-          <a:xfrm>
-            <a:off x="2191730" y="3251289"/>
-            <a:ext cx="8938163" cy="830997"/>
+            <a:off x="1527986" y="2051297"/>
+            <a:ext cx="9136028" cy="1046306"/>
           </a:xfrm>
           <a:prstGeom prst="rect">
             <a:avLst/>
@@ -6658,6 +6628,41 @@
                                         </p:tav>
                                       </p:tavLst>
                                     </p:anim>
+                                  </p:childTnLst>
+                                </p:cTn>
+                              </p:par>
+                              <p:par>
+                                <p:cTn id="17" presetID="10" presetClass="entr" presetSubtype="0" fill="hold" nodeType="withEffect">
+                                  <p:stCondLst>
+                                    <p:cond delay="1100"/>
+                                  </p:stCondLst>
+                                  <p:childTnLst>
+                                    <p:set>
+                                      <p:cBhvr>
+                                        <p:cTn id="18" dur="1" fill="hold">
+                                          <p:stCondLst>
+                                            <p:cond delay="0"/>
+                                          </p:stCondLst>
+                                        </p:cTn>
+                                        <p:tgtEl>
+                                          <p:spTgt spid="7"/>
+                                        </p:tgtEl>
+                                        <p:attrNameLst>
+                                          <p:attrName>style.visibility</p:attrName>
+                                        </p:attrNameLst>
+                                      </p:cBhvr>
+                                      <p:to>
+                                        <p:strVal val="visible"/>
+                                      </p:to>
+                                    </p:set>
+                                    <p:animEffect transition="in" filter="fade">
+                                      <p:cBhvr>
+                                        <p:cTn id="19" dur="800"/>
+                                        <p:tgtEl>
+                                          <p:spTgt spid="7"/>
+                                        </p:tgtEl>
+                                      </p:cBhvr>
+                                    </p:animEffect>
                                   </p:childTnLst>
                                 </p:cTn>
                               </p:par>
@@ -11413,10 +11418,10 @@
       </p:pic>
       <p:pic>
         <p:nvPicPr>
-          <p:cNvPr id="3" name="Imagem 2" descr="Interface gráfica do usuário&#10;&#10;Descrição gerada automaticamente">
+          <p:cNvPr id="11" name="Imagem 10" descr="Interface gráfica do usuário, Aplicativo&#10;&#10;Descrição gerada automaticamente">
             <a:extLst>
               <a:ext uri="{FF2B5EF4-FFF2-40B4-BE49-F238E27FC236}">
-                <a16:creationId xmlns:a16="http://schemas.microsoft.com/office/drawing/2014/main" id="{BB6757B3-9792-48D3-8C1F-ADA87AE0925C}"/>
+                <a16:creationId xmlns:a16="http://schemas.microsoft.com/office/drawing/2014/main" id="{E5747499-30D2-4067-AC90-F4CEC4319A05}"/>
               </a:ext>
             </a:extLst>
           </p:cNvPr>
@@ -11439,8 +11444,8 @@
         </p:blipFill>
         <p:spPr>
           <a:xfrm>
-            <a:off x="1307023" y="1181862"/>
-            <a:ext cx="9577953" cy="5143682"/>
+            <a:off x="1429967" y="1115676"/>
+            <a:ext cx="9105088" cy="5057775"/>
           </a:xfrm>
           <a:prstGeom prst="rect">
             <a:avLst/>
@@ -11873,10 +11878,10 @@
       </p:pic>
       <p:pic>
         <p:nvPicPr>
-          <p:cNvPr id="4" name="Imagem 3" descr="Diagrama&#10;&#10;Descrição gerada automaticamente">
+          <p:cNvPr id="9" name="Imagem 8" descr="Interface gráfica do usuário, Aplicativo&#10;&#10;Descrição gerada automaticamente">
             <a:extLst>
               <a:ext uri="{FF2B5EF4-FFF2-40B4-BE49-F238E27FC236}">
-                <a16:creationId xmlns:a16="http://schemas.microsoft.com/office/drawing/2014/main" id="{9DDEB7FD-CA7D-4D42-AD1C-0004E756DFA9}"/>
+                <a16:creationId xmlns:a16="http://schemas.microsoft.com/office/drawing/2014/main" id="{64A030FA-3B8C-4529-A992-EEEA6F178146}"/>
               </a:ext>
             </a:extLst>
           </p:cNvPr>
@@ -11899,8 +11904,8 @@
         </p:blipFill>
         <p:spPr>
           <a:xfrm>
-            <a:off x="304800" y="1536246"/>
-            <a:ext cx="11582400" cy="4895850"/>
+            <a:off x="1245140" y="1413031"/>
+            <a:ext cx="8479467" cy="5675428"/>
           </a:xfrm>
           <a:prstGeom prst="rect">
             <a:avLst/>

--- a/documentação/ApresentaçãoLuminous.pptx
+++ b/documentação/ApresentaçãoLuminous.pptx
@@ -238,7 +238,7 @@
           <a:p>
             <a:fld id="{2CE379E3-4754-4A67-B6D9-82D84ABFDC79}" type="datetimeFigureOut">
               <a:rPr lang="pt-BR" smtClean="0"/>
-              <a:t>28/10/2020</a:t>
+              <a:t>29/10/2020</a:t>
             </a:fld>
             <a:endParaRPr lang="pt-BR"/>
           </a:p>
@@ -820,7 +820,7 @@
           <a:p>
             <a:fld id="{1603A36F-9D0E-4FE5-9F36-5C8C249FA38C}" type="datetimeFigureOut">
               <a:rPr lang="pt-BR" smtClean="0"/>
-              <a:t>28/10/2020</a:t>
+              <a:t>29/10/2020</a:t>
             </a:fld>
             <a:endParaRPr lang="pt-BR"/>
           </a:p>
@@ -1018,7 +1018,7 @@
           <a:p>
             <a:fld id="{1603A36F-9D0E-4FE5-9F36-5C8C249FA38C}" type="datetimeFigureOut">
               <a:rPr lang="pt-BR" smtClean="0"/>
-              <a:t>28/10/2020</a:t>
+              <a:t>29/10/2020</a:t>
             </a:fld>
             <a:endParaRPr lang="pt-BR"/>
           </a:p>
@@ -1226,7 +1226,7 @@
           <a:p>
             <a:fld id="{1603A36F-9D0E-4FE5-9F36-5C8C249FA38C}" type="datetimeFigureOut">
               <a:rPr lang="pt-BR" smtClean="0"/>
-              <a:t>28/10/2020</a:t>
+              <a:t>29/10/2020</a:t>
             </a:fld>
             <a:endParaRPr lang="pt-BR"/>
           </a:p>
@@ -1424,7 +1424,7 @@
           <a:p>
             <a:fld id="{1603A36F-9D0E-4FE5-9F36-5C8C249FA38C}" type="datetimeFigureOut">
               <a:rPr lang="pt-BR" smtClean="0"/>
-              <a:t>28/10/2020</a:t>
+              <a:t>29/10/2020</a:t>
             </a:fld>
             <a:endParaRPr lang="pt-BR"/>
           </a:p>
@@ -1699,7 +1699,7 @@
           <a:p>
             <a:fld id="{1603A36F-9D0E-4FE5-9F36-5C8C249FA38C}" type="datetimeFigureOut">
               <a:rPr lang="pt-BR" smtClean="0"/>
-              <a:t>28/10/2020</a:t>
+              <a:t>29/10/2020</a:t>
             </a:fld>
             <a:endParaRPr lang="pt-BR"/>
           </a:p>
@@ -1964,7 +1964,7 @@
           <a:p>
             <a:fld id="{1603A36F-9D0E-4FE5-9F36-5C8C249FA38C}" type="datetimeFigureOut">
               <a:rPr lang="pt-BR" smtClean="0"/>
-              <a:t>28/10/2020</a:t>
+              <a:t>29/10/2020</a:t>
             </a:fld>
             <a:endParaRPr lang="pt-BR"/>
           </a:p>
@@ -2376,7 +2376,7 @@
           <a:p>
             <a:fld id="{1603A36F-9D0E-4FE5-9F36-5C8C249FA38C}" type="datetimeFigureOut">
               <a:rPr lang="pt-BR" smtClean="0"/>
-              <a:t>28/10/2020</a:t>
+              <a:t>29/10/2020</a:t>
             </a:fld>
             <a:endParaRPr lang="pt-BR"/>
           </a:p>
@@ -2517,7 +2517,7 @@
           <a:p>
             <a:fld id="{1603A36F-9D0E-4FE5-9F36-5C8C249FA38C}" type="datetimeFigureOut">
               <a:rPr lang="pt-BR" smtClean="0"/>
-              <a:t>28/10/2020</a:t>
+              <a:t>29/10/2020</a:t>
             </a:fld>
             <a:endParaRPr lang="pt-BR"/>
           </a:p>
@@ -2630,7 +2630,7 @@
           <a:p>
             <a:fld id="{1603A36F-9D0E-4FE5-9F36-5C8C249FA38C}" type="datetimeFigureOut">
               <a:rPr lang="pt-BR" smtClean="0"/>
-              <a:t>28/10/2020</a:t>
+              <a:t>29/10/2020</a:t>
             </a:fld>
             <a:endParaRPr lang="pt-BR"/>
           </a:p>
@@ -2941,7 +2941,7 @@
           <a:p>
             <a:fld id="{1603A36F-9D0E-4FE5-9F36-5C8C249FA38C}" type="datetimeFigureOut">
               <a:rPr lang="pt-BR" smtClean="0"/>
-              <a:t>28/10/2020</a:t>
+              <a:t>29/10/2020</a:t>
             </a:fld>
             <a:endParaRPr lang="pt-BR"/>
           </a:p>
@@ -3229,7 +3229,7 @@
           <a:p>
             <a:fld id="{1603A36F-9D0E-4FE5-9F36-5C8C249FA38C}" type="datetimeFigureOut">
               <a:rPr lang="pt-BR" smtClean="0"/>
-              <a:t>28/10/2020</a:t>
+              <a:t>29/10/2020</a:t>
             </a:fld>
             <a:endParaRPr lang="pt-BR"/>
           </a:p>
@@ -3470,7 +3470,7 @@
           <a:p>
             <a:fld id="{1603A36F-9D0E-4FE5-9F36-5C8C249FA38C}" type="datetimeFigureOut">
               <a:rPr lang="pt-BR" smtClean="0"/>
-              <a:t>28/10/2020</a:t>
+              <a:t>29/10/2020</a:t>
             </a:fld>
             <a:endParaRPr lang="pt-BR"/>
           </a:p>
@@ -11418,10 +11418,10 @@
       </p:pic>
       <p:pic>
         <p:nvPicPr>
-          <p:cNvPr id="11" name="Imagem 10" descr="Interface gráfica do usuário, Aplicativo&#10;&#10;Descrição gerada automaticamente">
+          <p:cNvPr id="8" name="Imagem 7" descr="Interface gráfica do usuário&#10;&#10;Descrição gerada automaticamente">
             <a:extLst>
               <a:ext uri="{FF2B5EF4-FFF2-40B4-BE49-F238E27FC236}">
-                <a16:creationId xmlns:a16="http://schemas.microsoft.com/office/drawing/2014/main" id="{E5747499-30D2-4067-AC90-F4CEC4319A05}"/>
+                <a16:creationId xmlns:a16="http://schemas.microsoft.com/office/drawing/2014/main" id="{30F5ECDF-50BC-4DD7-940D-60299E919FCF}"/>
               </a:ext>
             </a:extLst>
           </p:cNvPr>
@@ -11444,8 +11444,8 @@
         </p:blipFill>
         <p:spPr>
           <a:xfrm>
-            <a:off x="1429967" y="1115676"/>
-            <a:ext cx="9105088" cy="5057775"/>
+            <a:off x="997591" y="1181862"/>
+            <a:ext cx="9790383" cy="5009286"/>
           </a:xfrm>
           <a:prstGeom prst="rect">
             <a:avLst/>
@@ -12261,7 +12261,7 @@
           <a:lstStyle/>
           <a:p>
             <a:r>
-              <a:rPr lang="pt-BR" sz="2800" b="1" dirty="0">
+              <a:rPr lang="pt-BR" sz="2800" b="1">
                 <a:solidFill>
                   <a:schemeClr val="bg1"/>
                 </a:solidFill>
@@ -12275,6 +12275,18 @@
               </a:rPr>
               <a:t>LUMINOUS</a:t>
             </a:r>
+            <a:endParaRPr lang="pt-BR" sz="2800" b="1" dirty="0">
+              <a:solidFill>
+                <a:schemeClr val="bg1"/>
+              </a:solidFill>
+              <a:effectLst>
+                <a:outerShdw blurRad="127000" dist="38100" dir="3900000" sx="101000" sy="101000" algn="tl" rotWithShape="0">
+                  <a:schemeClr val="accent4">
+                    <a:alpha val="64000"/>
+                  </a:schemeClr>
+                </a:outerShdw>
+              </a:effectLst>
+            </a:endParaRPr>
           </a:p>
         </p:txBody>
       </p:sp>
